--- a/sumario.pptx
+++ b/sumario.pptx
@@ -115,6 +115,94 @@
 <file path=ppt/changesInfos/changesInfo1.xml><?xml version="1.0" encoding="utf-8"?>
 <pc:chgInfo xmlns:a="http://schemas.openxmlformats.org/drawingml/2006/main" xmlns:r="http://schemas.openxmlformats.org/officeDocument/2006/relationships" xmlns:ac="http://schemas.microsoft.com/office/drawing/2013/main/command" xmlns:pc="http://schemas.microsoft.com/office/powerpoint/2013/main/command">
   <pc:docChgLst>
+    <pc:chgData name="Caio Azevedo" userId="6a1c4728a6baa2a1" providerId="LiveId" clId="{CBC1776C-3DD3-440E-93BD-4ED89C216261}"/>
+    <pc:docChg chg="modSld">
+      <pc:chgData name="Caio Azevedo" userId="6a1c4728a6baa2a1" providerId="LiveId" clId="{CBC1776C-3DD3-440E-93BD-4ED89C216261}" dt="2025-06-22T06:29:11.928" v="41" actId="20577"/>
+      <pc:docMkLst>
+        <pc:docMk/>
+      </pc:docMkLst>
+      <pc:sldChg chg="modSp mod">
+        <pc:chgData name="Caio Azevedo" userId="6a1c4728a6baa2a1" providerId="LiveId" clId="{CBC1776C-3DD3-440E-93BD-4ED89C216261}" dt="2025-06-22T06:29:11.928" v="41" actId="20577"/>
+        <pc:sldMkLst>
+          <pc:docMk/>
+          <pc:sldMk cId="2633483745" sldId="256"/>
+        </pc:sldMkLst>
+        <pc:spChg chg="mod">
+          <ac:chgData name="Caio Azevedo" userId="6a1c4728a6baa2a1" providerId="LiveId" clId="{CBC1776C-3DD3-440E-93BD-4ED89C216261}" dt="2025-06-22T06:27:13.639" v="1" actId="20577"/>
+          <ac:spMkLst>
+            <pc:docMk/>
+            <pc:sldMk cId="2633483745" sldId="256"/>
+            <ac:spMk id="7" creationId="{DDD7CDC9-2305-A4C7-A833-E0D242FBC8FC}"/>
+          </ac:spMkLst>
+        </pc:spChg>
+        <pc:spChg chg="mod">
+          <ac:chgData name="Caio Azevedo" userId="6a1c4728a6baa2a1" providerId="LiveId" clId="{CBC1776C-3DD3-440E-93BD-4ED89C216261}" dt="2025-06-22T06:28:48.982" v="31" actId="20577"/>
+          <ac:spMkLst>
+            <pc:docMk/>
+            <pc:sldMk cId="2633483745" sldId="256"/>
+            <ac:spMk id="8" creationId="{150E3CE9-4351-0A1B-B122-B52621D2B87C}"/>
+          </ac:spMkLst>
+        </pc:spChg>
+        <pc:spChg chg="mod">
+          <ac:chgData name="Caio Azevedo" userId="6a1c4728a6baa2a1" providerId="LiveId" clId="{CBC1776C-3DD3-440E-93BD-4ED89C216261}" dt="2025-06-22T06:28:45.467" v="28" actId="20577"/>
+          <ac:spMkLst>
+            <pc:docMk/>
+            <pc:sldMk cId="2633483745" sldId="256"/>
+            <ac:spMk id="9" creationId="{2C8A71B1-DDC2-E93C-0B3D-3E834C87E5BA}"/>
+          </ac:spMkLst>
+        </pc:spChg>
+        <pc:spChg chg="mod">
+          <ac:chgData name="Caio Azevedo" userId="6a1c4728a6baa2a1" providerId="LiveId" clId="{CBC1776C-3DD3-440E-93BD-4ED89C216261}" dt="2025-06-22T06:29:06.655" v="35" actId="20577"/>
+          <ac:spMkLst>
+            <pc:docMk/>
+            <pc:sldMk cId="2633483745" sldId="256"/>
+            <ac:spMk id="10" creationId="{032B0B5F-8A17-8945-E69E-E29C2ECF219E}"/>
+          </ac:spMkLst>
+        </pc:spChg>
+        <pc:spChg chg="mod">
+          <ac:chgData name="Caio Azevedo" userId="6a1c4728a6baa2a1" providerId="LiveId" clId="{CBC1776C-3DD3-440E-93BD-4ED89C216261}" dt="2025-06-22T06:28:17.872" v="5" actId="20577"/>
+          <ac:spMkLst>
+            <pc:docMk/>
+            <pc:sldMk cId="2633483745" sldId="256"/>
+            <ac:spMk id="11" creationId="{B8EEBE68-ECFB-936D-54B6-8E6569A7B0C8}"/>
+          </ac:spMkLst>
+        </pc:spChg>
+        <pc:spChg chg="mod">
+          <ac:chgData name="Caio Azevedo" userId="6a1c4728a6baa2a1" providerId="LiveId" clId="{CBC1776C-3DD3-440E-93BD-4ED89C216261}" dt="2025-06-22T06:28:41.945" v="26" actId="20577"/>
+          <ac:spMkLst>
+            <pc:docMk/>
+            <pc:sldMk cId="2633483745" sldId="256"/>
+            <ac:spMk id="12" creationId="{5EC2A091-929A-E086-215F-50F25C94C26C}"/>
+          </ac:spMkLst>
+        </pc:spChg>
+        <pc:spChg chg="mod">
+          <ac:chgData name="Caio Azevedo" userId="6a1c4728a6baa2a1" providerId="LiveId" clId="{CBC1776C-3DD3-440E-93BD-4ED89C216261}" dt="2025-06-22T06:29:11.928" v="41" actId="20577"/>
+          <ac:spMkLst>
+            <pc:docMk/>
+            <pc:sldMk cId="2633483745" sldId="256"/>
+            <ac:spMk id="49" creationId="{92C66F13-409A-0149-C006-8460D3CA68EA}"/>
+          </ac:spMkLst>
+        </pc:spChg>
+        <pc:spChg chg="mod">
+          <ac:chgData name="Caio Azevedo" userId="6a1c4728a6baa2a1" providerId="LiveId" clId="{CBC1776C-3DD3-440E-93BD-4ED89C216261}" dt="2025-06-22T06:28:28.431" v="9" actId="20577"/>
+          <ac:spMkLst>
+            <pc:docMk/>
+            <pc:sldMk cId="2633483745" sldId="256"/>
+            <ac:spMk id="50" creationId="{676B230E-EA3E-D783-CA35-9F3B05547E8E}"/>
+          </ac:spMkLst>
+        </pc:spChg>
+        <pc:spChg chg="mod">
+          <ac:chgData name="Caio Azevedo" userId="6a1c4728a6baa2a1" providerId="LiveId" clId="{CBC1776C-3DD3-440E-93BD-4ED89C216261}" dt="2025-06-22T06:28:35.339" v="18" actId="20577"/>
+          <ac:spMkLst>
+            <pc:docMk/>
+            <pc:sldMk cId="2633483745" sldId="256"/>
+            <ac:spMk id="51" creationId="{B0294DE0-1E5D-8C5D-9602-CC87AB6DDECF}"/>
+          </ac:spMkLst>
+        </pc:spChg>
+      </pc:sldChg>
+    </pc:docChg>
+  </pc:docChgLst>
+  <pc:docChgLst>
     <pc:chgData name="Caio Azevedo" userId="6a1c4728a6baa2a1" providerId="LiveId" clId="{BC899A2C-E655-48D3-B53A-19CEF4FB31CE}"/>
     <pc:docChg chg="undo custSel modSld">
       <pc:chgData name="Caio Azevedo" userId="6a1c4728a6baa2a1" providerId="LiveId" clId="{BC899A2C-E655-48D3-B53A-19CEF4FB31CE}" dt="2024-09-29T06:14:50.317" v="20" actId="255"/>
@@ -127,78 +215,6 @@
           <pc:docMk/>
           <pc:sldMk cId="2633483745" sldId="256"/>
         </pc:sldMkLst>
-        <pc:spChg chg="mod">
-          <ac:chgData name="Caio Azevedo" userId="6a1c4728a6baa2a1" providerId="LiveId" clId="{BC899A2C-E655-48D3-B53A-19CEF4FB31CE}" dt="2024-09-29T06:13:33.936" v="0" actId="2711"/>
-          <ac:spMkLst>
-            <pc:docMk/>
-            <pc:sldMk cId="2633483745" sldId="256"/>
-            <ac:spMk id="7" creationId="{DDD7CDC9-2305-A4C7-A833-E0D242FBC8FC}"/>
-          </ac:spMkLst>
-        </pc:spChg>
-        <pc:spChg chg="mod">
-          <ac:chgData name="Caio Azevedo" userId="6a1c4728a6baa2a1" providerId="LiveId" clId="{BC899A2C-E655-48D3-B53A-19CEF4FB31CE}" dt="2024-09-29T06:13:41.334" v="1" actId="2711"/>
-          <ac:spMkLst>
-            <pc:docMk/>
-            <pc:sldMk cId="2633483745" sldId="256"/>
-            <ac:spMk id="8" creationId="{150E3CE9-4351-0A1B-B122-B52621D2B87C}"/>
-          </ac:spMkLst>
-        </pc:spChg>
-        <pc:spChg chg="mod">
-          <ac:chgData name="Caio Azevedo" userId="6a1c4728a6baa2a1" providerId="LiveId" clId="{BC899A2C-E655-48D3-B53A-19CEF4FB31CE}" dt="2024-09-29T06:13:47.842" v="2" actId="2711"/>
-          <ac:spMkLst>
-            <pc:docMk/>
-            <pc:sldMk cId="2633483745" sldId="256"/>
-            <ac:spMk id="9" creationId="{2C8A71B1-DDC2-E93C-0B3D-3E834C87E5BA}"/>
-          </ac:spMkLst>
-        </pc:spChg>
-        <pc:spChg chg="mod">
-          <ac:chgData name="Caio Azevedo" userId="6a1c4728a6baa2a1" providerId="LiveId" clId="{BC899A2C-E655-48D3-B53A-19CEF4FB31CE}" dt="2024-09-29T06:13:53.462" v="3" actId="2711"/>
-          <ac:spMkLst>
-            <pc:docMk/>
-            <pc:sldMk cId="2633483745" sldId="256"/>
-            <ac:spMk id="10" creationId="{032B0B5F-8A17-8945-E69E-E29C2ECF219E}"/>
-          </ac:spMkLst>
-        </pc:spChg>
-        <pc:spChg chg="mod">
-          <ac:chgData name="Caio Azevedo" userId="6a1c4728a6baa2a1" providerId="LiveId" clId="{BC899A2C-E655-48D3-B53A-19CEF4FB31CE}" dt="2024-09-29T06:13:59.224" v="4" actId="2711"/>
-          <ac:spMkLst>
-            <pc:docMk/>
-            <pc:sldMk cId="2633483745" sldId="256"/>
-            <ac:spMk id="11" creationId="{B8EEBE68-ECFB-936D-54B6-8E6569A7B0C8}"/>
-          </ac:spMkLst>
-        </pc:spChg>
-        <pc:spChg chg="mod">
-          <ac:chgData name="Caio Azevedo" userId="6a1c4728a6baa2a1" providerId="LiveId" clId="{BC899A2C-E655-48D3-B53A-19CEF4FB31CE}" dt="2024-09-29T06:14:36.186" v="17" actId="255"/>
-          <ac:spMkLst>
-            <pc:docMk/>
-            <pc:sldMk cId="2633483745" sldId="256"/>
-            <ac:spMk id="12" creationId="{5EC2A091-929A-E086-215F-50F25C94C26C}"/>
-          </ac:spMkLst>
-        </pc:spChg>
-        <pc:spChg chg="mod">
-          <ac:chgData name="Caio Azevedo" userId="6a1c4728a6baa2a1" providerId="LiveId" clId="{BC899A2C-E655-48D3-B53A-19CEF4FB31CE}" dt="2024-09-29T06:14:27.651" v="16" actId="2711"/>
-          <ac:spMkLst>
-            <pc:docMk/>
-            <pc:sldMk cId="2633483745" sldId="256"/>
-            <ac:spMk id="49" creationId="{92C66F13-409A-0149-C006-8460D3CA68EA}"/>
-          </ac:spMkLst>
-        </pc:spChg>
-        <pc:spChg chg="mod">
-          <ac:chgData name="Caio Azevedo" userId="6a1c4728a6baa2a1" providerId="LiveId" clId="{BC899A2C-E655-48D3-B53A-19CEF4FB31CE}" dt="2024-09-29T06:14:17.840" v="7" actId="2711"/>
-          <ac:spMkLst>
-            <pc:docMk/>
-            <pc:sldMk cId="2633483745" sldId="256"/>
-            <ac:spMk id="50" creationId="{676B230E-EA3E-D783-CA35-9F3B05547E8E}"/>
-          </ac:spMkLst>
-        </pc:spChg>
-        <pc:spChg chg="mod">
-          <ac:chgData name="Caio Azevedo" userId="6a1c4728a6baa2a1" providerId="LiveId" clId="{BC899A2C-E655-48D3-B53A-19CEF4FB31CE}" dt="2024-09-29T06:14:50.317" v="20" actId="255"/>
-          <ac:spMkLst>
-            <pc:docMk/>
-            <pc:sldMk cId="2633483745" sldId="256"/>
-            <ac:spMk id="51" creationId="{B0294DE0-1E5D-8C5D-9602-CC87AB6DDECF}"/>
-          </ac:spMkLst>
-        </pc:spChg>
       </pc:sldChg>
     </pc:docChg>
   </pc:docChgLst>
@@ -215,158 +231,6 @@
           <pc:docMk/>
           <pc:sldMk cId="2633483745" sldId="256"/>
         </pc:sldMkLst>
-        <pc:spChg chg="mod">
-          <ac:chgData name="Caio Azevedo" userId="6a1c4728a6baa2a1" providerId="LiveId" clId="{6D619AE1-CA0C-44B7-9DEE-F8A6B101A9CA}" dt="2024-07-11T00:31:36.629" v="719" actId="20577"/>
-          <ac:spMkLst>
-            <pc:docMk/>
-            <pc:sldMk cId="2633483745" sldId="256"/>
-            <ac:spMk id="7" creationId="{DDD7CDC9-2305-A4C7-A833-E0D242FBC8FC}"/>
-          </ac:spMkLst>
-        </pc:spChg>
-        <pc:spChg chg="mod">
-          <ac:chgData name="Caio Azevedo" userId="6a1c4728a6baa2a1" providerId="LiveId" clId="{6D619AE1-CA0C-44B7-9DEE-F8A6B101A9CA}" dt="2024-07-10T13:57:06.460" v="716" actId="208"/>
-          <ac:spMkLst>
-            <pc:docMk/>
-            <pc:sldMk cId="2633483745" sldId="256"/>
-            <ac:spMk id="8" creationId="{150E3CE9-4351-0A1B-B122-B52621D2B87C}"/>
-          </ac:spMkLst>
-        </pc:spChg>
-        <pc:spChg chg="mod">
-          <ac:chgData name="Caio Azevedo" userId="6a1c4728a6baa2a1" providerId="LiveId" clId="{6D619AE1-CA0C-44B7-9DEE-F8A6B101A9CA}" dt="2024-07-10T13:57:09.168" v="717" actId="208"/>
-          <ac:spMkLst>
-            <pc:docMk/>
-            <pc:sldMk cId="2633483745" sldId="256"/>
-            <ac:spMk id="9" creationId="{2C8A71B1-DDC2-E93C-0B3D-3E834C87E5BA}"/>
-          </ac:spMkLst>
-        </pc:spChg>
-        <pc:spChg chg="mod">
-          <ac:chgData name="Caio Azevedo" userId="6a1c4728a6baa2a1" providerId="LiveId" clId="{6D619AE1-CA0C-44B7-9DEE-F8A6B101A9CA}" dt="2024-07-11T00:31:44.243" v="723" actId="20577"/>
-          <ac:spMkLst>
-            <pc:docMk/>
-            <pc:sldMk cId="2633483745" sldId="256"/>
-            <ac:spMk id="10" creationId="{032B0B5F-8A17-8945-E69E-E29C2ECF219E}"/>
-          </ac:spMkLst>
-        </pc:spChg>
-        <pc:spChg chg="mod">
-          <ac:chgData name="Caio Azevedo" userId="6a1c4728a6baa2a1" providerId="LiveId" clId="{6D619AE1-CA0C-44B7-9DEE-F8A6B101A9CA}" dt="2024-07-11T00:31:48.646" v="727" actId="20577"/>
-          <ac:spMkLst>
-            <pc:docMk/>
-            <pc:sldMk cId="2633483745" sldId="256"/>
-            <ac:spMk id="11" creationId="{B8EEBE68-ECFB-936D-54B6-8E6569A7B0C8}"/>
-          </ac:spMkLst>
-        </pc:spChg>
-        <pc:spChg chg="mod">
-          <ac:chgData name="Caio Azevedo" userId="6a1c4728a6baa2a1" providerId="LiveId" clId="{6D619AE1-CA0C-44B7-9DEE-F8A6B101A9CA}" dt="2024-07-11T00:31:54.136" v="731" actId="20577"/>
-          <ac:spMkLst>
-            <pc:docMk/>
-            <pc:sldMk cId="2633483745" sldId="256"/>
-            <ac:spMk id="12" creationId="{5EC2A091-929A-E086-215F-50F25C94C26C}"/>
-          </ac:spMkLst>
-        </pc:spChg>
-        <pc:spChg chg="mod">
-          <ac:chgData name="Caio Azevedo" userId="6a1c4728a6baa2a1" providerId="LiveId" clId="{6D619AE1-CA0C-44B7-9DEE-F8A6B101A9CA}" dt="2024-07-11T00:32:12.984" v="735" actId="20577"/>
-          <ac:spMkLst>
-            <pc:docMk/>
-            <pc:sldMk cId="2633483745" sldId="256"/>
-            <ac:spMk id="49" creationId="{92C66F13-409A-0149-C006-8460D3CA68EA}"/>
-          </ac:spMkLst>
-        </pc:spChg>
-        <pc:spChg chg="mod">
-          <ac:chgData name="Caio Azevedo" userId="6a1c4728a6baa2a1" providerId="LiveId" clId="{6D619AE1-CA0C-44B7-9DEE-F8A6B101A9CA}" dt="2024-07-11T00:32:17.438" v="739" actId="20577"/>
-          <ac:spMkLst>
-            <pc:docMk/>
-            <pc:sldMk cId="2633483745" sldId="256"/>
-            <ac:spMk id="50" creationId="{676B230E-EA3E-D783-CA35-9F3B05547E8E}"/>
-          </ac:spMkLst>
-        </pc:spChg>
-        <pc:spChg chg="mod">
-          <ac:chgData name="Caio Azevedo" userId="6a1c4728a6baa2a1" providerId="LiveId" clId="{6D619AE1-CA0C-44B7-9DEE-F8A6B101A9CA}" dt="2024-07-11T00:32:23.631" v="747" actId="20577"/>
-          <ac:spMkLst>
-            <pc:docMk/>
-            <pc:sldMk cId="2633483745" sldId="256"/>
-            <ac:spMk id="51" creationId="{B0294DE0-1E5D-8C5D-9602-CC87AB6DDECF}"/>
-          </ac:spMkLst>
-        </pc:spChg>
-        <pc:picChg chg="add mod">
-          <ac:chgData name="Caio Azevedo" userId="6a1c4728a6baa2a1" providerId="LiveId" clId="{6D619AE1-CA0C-44B7-9DEE-F8A6B101A9CA}" dt="2024-06-01T19:29:48.025" v="175" actId="1036"/>
-          <ac:picMkLst>
-            <pc:docMk/>
-            <pc:sldMk cId="2633483745" sldId="256"/>
-            <ac:picMk id="2" creationId="{862B8B2E-DD37-93C9-4471-9075E6E1A452}"/>
-          </ac:picMkLst>
-        </pc:picChg>
-        <pc:picChg chg="add mod">
-          <ac:chgData name="Caio Azevedo" userId="6a1c4728a6baa2a1" providerId="LiveId" clId="{6D619AE1-CA0C-44B7-9DEE-F8A6B101A9CA}" dt="2024-06-01T19:30:36.527" v="338" actId="1036"/>
-          <ac:picMkLst>
-            <pc:docMk/>
-            <pc:sldMk cId="2633483745" sldId="256"/>
-            <ac:picMk id="3" creationId="{217E71EB-3825-C533-EF7B-095430DE8C7A}"/>
-          </ac:picMkLst>
-        </pc:picChg>
-        <pc:picChg chg="add mod">
-          <ac:chgData name="Caio Azevedo" userId="6a1c4728a6baa2a1" providerId="LiveId" clId="{6D619AE1-CA0C-44B7-9DEE-F8A6B101A9CA}" dt="2024-06-01T19:33:31.741" v="553" actId="692"/>
-          <ac:picMkLst>
-            <pc:docMk/>
-            <pc:sldMk cId="2633483745" sldId="256"/>
-            <ac:picMk id="5" creationId="{6C5C2780-5A8B-6653-1A6B-E3DD83AB89BB}"/>
-          </ac:picMkLst>
-        </pc:picChg>
-        <pc:picChg chg="add mod">
-          <ac:chgData name="Caio Azevedo" userId="6a1c4728a6baa2a1" providerId="LiveId" clId="{6D619AE1-CA0C-44B7-9DEE-F8A6B101A9CA}" dt="2024-06-01T19:33:55.906" v="651" actId="1037"/>
-          <ac:picMkLst>
-            <pc:docMk/>
-            <pc:sldMk cId="2633483745" sldId="256"/>
-            <ac:picMk id="6" creationId="{2F229F28-7EC9-5171-93D8-795DA4CF1A14}"/>
-          </ac:picMkLst>
-        </pc:picChg>
-        <pc:picChg chg="mod">
-          <ac:chgData name="Caio Azevedo" userId="6a1c4728a6baa2a1" providerId="LiveId" clId="{6D619AE1-CA0C-44B7-9DEE-F8A6B101A9CA}" dt="2024-06-01T19:30:09.749" v="270" actId="1037"/>
-          <ac:picMkLst>
-            <pc:docMk/>
-            <pc:sldMk cId="2633483745" sldId="256"/>
-            <ac:picMk id="33" creationId="{EA2BB525-6714-6FBF-8DE8-B9D1D872A1CA}"/>
-          </ac:picMkLst>
-        </pc:picChg>
-        <pc:picChg chg="del">
-          <ac:chgData name="Caio Azevedo" userId="6a1c4728a6baa2a1" providerId="LiveId" clId="{6D619AE1-CA0C-44B7-9DEE-F8A6B101A9CA}" dt="2024-06-01T19:29:12.489" v="28" actId="478"/>
-          <ac:picMkLst>
-            <pc:docMk/>
-            <pc:sldMk cId="2633483745" sldId="256"/>
-            <ac:picMk id="42" creationId="{03A557A5-2424-6587-3D88-D994514AD4D4}"/>
-          </ac:picMkLst>
-        </pc:picChg>
-        <pc:picChg chg="mod">
-          <ac:chgData name="Caio Azevedo" userId="6a1c4728a6baa2a1" providerId="LiveId" clId="{6D619AE1-CA0C-44B7-9DEE-F8A6B101A9CA}" dt="2024-06-01T19:29:32.246" v="114" actId="1037"/>
-          <ac:picMkLst>
-            <pc:docMk/>
-            <pc:sldMk cId="2633483745" sldId="256"/>
-            <ac:picMk id="56" creationId="{89FCE880-5260-6889-83FA-D9FCE7FD9206}"/>
-          </ac:picMkLst>
-        </pc:picChg>
-        <pc:picChg chg="del">
-          <ac:chgData name="Caio Azevedo" userId="6a1c4728a6baa2a1" providerId="LiveId" clId="{6D619AE1-CA0C-44B7-9DEE-F8A6B101A9CA}" dt="2024-06-01T19:29:38.793" v="115" actId="478"/>
-          <ac:picMkLst>
-            <pc:docMk/>
-            <pc:sldMk cId="2633483745" sldId="256"/>
-            <ac:picMk id="58" creationId="{553B869D-576D-D32F-55AB-2771E56F2B97}"/>
-          </ac:picMkLst>
-        </pc:picChg>
-        <pc:picChg chg="del">
-          <ac:chgData name="Caio Azevedo" userId="6a1c4728a6baa2a1" providerId="LiveId" clId="{6D619AE1-CA0C-44B7-9DEE-F8A6B101A9CA}" dt="2024-06-01T19:30:27.347" v="272" actId="478"/>
-          <ac:picMkLst>
-            <pc:docMk/>
-            <pc:sldMk cId="2633483745" sldId="256"/>
-            <ac:picMk id="60" creationId="{5EDDC53C-C446-D5F6-2C06-91F1305C496C}"/>
-          </ac:picMkLst>
-        </pc:picChg>
-        <pc:picChg chg="del">
-          <ac:chgData name="Caio Azevedo" userId="6a1c4728a6baa2a1" providerId="LiveId" clId="{6D619AE1-CA0C-44B7-9DEE-F8A6B101A9CA}" dt="2024-06-01T19:33:48.199" v="615" actId="478"/>
-          <ac:picMkLst>
-            <pc:docMk/>
-            <pc:sldMk cId="2633483745" sldId="256"/>
-            <ac:picMk id="65" creationId="{54E2A55D-321B-615B-5F40-5EA6453E8544}"/>
-          </ac:picMkLst>
-        </pc:picChg>
       </pc:sldChg>
     </pc:docChg>
   </pc:docChgLst>
@@ -520,7 +384,7 @@
           <a:p>
             <a:fld id="{B8C16241-3375-401B-A95E-830A4D89E6FF}" type="datetimeFigureOut">
               <a:rPr lang="pt-BR" smtClean="0"/>
-              <a:t>29/09/2024</a:t>
+              <a:t>22/06/2025</a:t>
             </a:fld>
             <a:endParaRPr lang="pt-BR"/>
           </a:p>
@@ -718,7 +582,7 @@
           <a:p>
             <a:fld id="{B8C16241-3375-401B-A95E-830A4D89E6FF}" type="datetimeFigureOut">
               <a:rPr lang="pt-BR" smtClean="0"/>
-              <a:t>29/09/2024</a:t>
+              <a:t>22/06/2025</a:t>
             </a:fld>
             <a:endParaRPr lang="pt-BR"/>
           </a:p>
@@ -926,7 +790,7 @@
           <a:p>
             <a:fld id="{B8C16241-3375-401B-A95E-830A4D89E6FF}" type="datetimeFigureOut">
               <a:rPr lang="pt-BR" smtClean="0"/>
-              <a:t>29/09/2024</a:t>
+              <a:t>22/06/2025</a:t>
             </a:fld>
             <a:endParaRPr lang="pt-BR"/>
           </a:p>
@@ -1124,7 +988,7 @@
           <a:p>
             <a:fld id="{B8C16241-3375-401B-A95E-830A4D89E6FF}" type="datetimeFigureOut">
               <a:rPr lang="pt-BR" smtClean="0"/>
-              <a:t>29/09/2024</a:t>
+              <a:t>22/06/2025</a:t>
             </a:fld>
             <a:endParaRPr lang="pt-BR"/>
           </a:p>
@@ -1399,7 +1263,7 @@
           <a:p>
             <a:fld id="{B8C16241-3375-401B-A95E-830A4D89E6FF}" type="datetimeFigureOut">
               <a:rPr lang="pt-BR" smtClean="0"/>
-              <a:t>29/09/2024</a:t>
+              <a:t>22/06/2025</a:t>
             </a:fld>
             <a:endParaRPr lang="pt-BR"/>
           </a:p>
@@ -1664,7 +1528,7 @@
           <a:p>
             <a:fld id="{B8C16241-3375-401B-A95E-830A4D89E6FF}" type="datetimeFigureOut">
               <a:rPr lang="pt-BR" smtClean="0"/>
-              <a:t>29/09/2024</a:t>
+              <a:t>22/06/2025</a:t>
             </a:fld>
             <a:endParaRPr lang="pt-BR"/>
           </a:p>
@@ -2076,7 +1940,7 @@
           <a:p>
             <a:fld id="{B8C16241-3375-401B-A95E-830A4D89E6FF}" type="datetimeFigureOut">
               <a:rPr lang="pt-BR" smtClean="0"/>
-              <a:t>29/09/2024</a:t>
+              <a:t>22/06/2025</a:t>
             </a:fld>
             <a:endParaRPr lang="pt-BR"/>
           </a:p>
@@ -2217,7 +2081,7 @@
           <a:p>
             <a:fld id="{B8C16241-3375-401B-A95E-830A4D89E6FF}" type="datetimeFigureOut">
               <a:rPr lang="pt-BR" smtClean="0"/>
-              <a:t>29/09/2024</a:t>
+              <a:t>22/06/2025</a:t>
             </a:fld>
             <a:endParaRPr lang="pt-BR"/>
           </a:p>
@@ -2330,7 +2194,7 @@
           <a:p>
             <a:fld id="{B8C16241-3375-401B-A95E-830A4D89E6FF}" type="datetimeFigureOut">
               <a:rPr lang="pt-BR" smtClean="0"/>
-              <a:t>29/09/2024</a:t>
+              <a:t>22/06/2025</a:t>
             </a:fld>
             <a:endParaRPr lang="pt-BR"/>
           </a:p>
@@ -2641,7 +2505,7 @@
           <a:p>
             <a:fld id="{B8C16241-3375-401B-A95E-830A4D89E6FF}" type="datetimeFigureOut">
               <a:rPr lang="pt-BR" smtClean="0"/>
-              <a:t>29/09/2024</a:t>
+              <a:t>22/06/2025</a:t>
             </a:fld>
             <a:endParaRPr lang="pt-BR"/>
           </a:p>
@@ -2929,7 +2793,7 @@
           <a:p>
             <a:fld id="{B8C16241-3375-401B-A95E-830A4D89E6FF}" type="datetimeFigureOut">
               <a:rPr lang="pt-BR" smtClean="0"/>
-              <a:t>29/09/2024</a:t>
+              <a:t>22/06/2025</a:t>
             </a:fld>
             <a:endParaRPr lang="pt-BR"/>
           </a:p>
@@ -3170,7 +3034,7 @@
           <a:p>
             <a:fld id="{B8C16241-3375-401B-A95E-830A4D89E6FF}" type="datetimeFigureOut">
               <a:rPr lang="pt-BR" smtClean="0"/>
-              <a:t>29/09/2024</a:t>
+              <a:t>22/06/2025</a:t>
             </a:fld>
             <a:endParaRPr lang="pt-BR"/>
           </a:p>
@@ -3662,7 +3526,7 @@
                 </a:solidFill>
                 <a:latin typeface="Palatino Linotype" panose="02040502050505030304" pitchFamily="18" charset="0"/>
               </a:rPr>
-              <a:t>453</a:t>
+              <a:t>450</a:t>
             </a:r>
           </a:p>
         </p:txBody>
@@ -3799,26 +3663,20 @@
               <a:defRPr/>
             </a:pPr>
             <a:r>
-              <a:rPr lang="pt-BR" sz="5500" b="1" dirty="0">
+              <a:rPr kumimoji="0" lang="pt-BR" sz="5500" b="1" i="0" u="none" strike="noStrike" kern="1200" cap="none" spc="0" normalizeH="0" baseline="0" noProof="0" dirty="0">
+                <a:ln>
+                  <a:noFill/>
+                </a:ln>
                 <a:solidFill>
                   <a:schemeClr val="tx1"/>
                 </a:solidFill>
+                <a:effectLst/>
+                <a:uLnTx/>
+                <a:uFillTx/>
                 <a:latin typeface="Palatino Linotype" panose="02040502050505030304" pitchFamily="18" charset="0"/>
               </a:rPr>
-              <a:t>6</a:t>
-            </a:r>
-            <a:endParaRPr kumimoji="0" lang="pt-BR" sz="5500" b="1" i="0" u="none" strike="noStrike" kern="1200" cap="none" spc="0" normalizeH="0" baseline="0" noProof="0" dirty="0">
-              <a:ln>
-                <a:noFill/>
-              </a:ln>
-              <a:solidFill>
-                <a:schemeClr val="tx1"/>
-              </a:solidFill>
-              <a:effectLst/>
-              <a:uLnTx/>
-              <a:uFillTx/>
-              <a:latin typeface="Palatino Linotype" panose="02040502050505030304" pitchFamily="18" charset="0"/>
-            </a:endParaRPr>
+              <a:t>11</a:t>
+            </a:r>
           </a:p>
         </p:txBody>
       </p:sp>
@@ -3978,26 +3836,20 @@
               <a:defRPr/>
             </a:pPr>
             <a:r>
-              <a:rPr lang="pt-BR" sz="5500" b="1" dirty="0">
+              <a:rPr kumimoji="0" lang="pt-BR" sz="5500" b="1" i="0" u="none" strike="noStrike" kern="1200" cap="none" spc="0" normalizeH="0" baseline="0" noProof="0" dirty="0">
+                <a:ln>
+                  <a:noFill/>
+                </a:ln>
                 <a:solidFill>
                   <a:schemeClr val="tx1"/>
                 </a:solidFill>
+                <a:effectLst/>
+                <a:uLnTx/>
+                <a:uFillTx/>
                 <a:latin typeface="Palatino Linotype" panose="02040502050505030304" pitchFamily="18" charset="0"/>
               </a:rPr>
-              <a:t>1</a:t>
-            </a:r>
-            <a:endParaRPr kumimoji="0" lang="pt-BR" sz="5500" b="1" i="0" u="none" strike="noStrike" kern="1200" cap="none" spc="0" normalizeH="0" baseline="0" noProof="0" dirty="0">
-              <a:ln>
-                <a:noFill/>
-              </a:ln>
-              <a:solidFill>
-                <a:schemeClr val="tx1"/>
-              </a:solidFill>
-              <a:effectLst/>
-              <a:uLnTx/>
-              <a:uFillTx/>
-              <a:latin typeface="Palatino Linotype" panose="02040502050505030304" pitchFamily="18" charset="0"/>
-            </a:endParaRPr>
+              <a:t>2</a:t>
+            </a:r>
           </a:p>
         </p:txBody>
       </p:sp>
@@ -4143,7 +3995,7 @@
                 <a:uFillTx/>
                 <a:latin typeface="Palatino Linotype" panose="02040502050505030304" pitchFamily="18" charset="0"/>
               </a:rPr>
-              <a:t>254</a:t>
+              <a:t>228</a:t>
             </a:r>
           </a:p>
         </p:txBody>
@@ -4290,7 +4142,7 @@
                 <a:uFillTx/>
                 <a:latin typeface="Palatino Linotype" panose="02040502050505030304" pitchFamily="18" charset="0"/>
               </a:rPr>
-              <a:t>1744</a:t>
+              <a:t>1727</a:t>
             </a:r>
           </a:p>
         </p:txBody>
@@ -4431,26 +4283,20 @@
               <a:defRPr/>
             </a:pPr>
             <a:r>
-              <a:rPr lang="pt-BR" sz="5500" b="1" dirty="0">
+              <a:rPr kumimoji="0" lang="pt-BR" sz="5500" b="1" i="0" u="none" strike="noStrike" kern="1200" cap="none" spc="0" normalizeH="0" baseline="0" noProof="0" dirty="0">
+                <a:ln>
+                  <a:noFill/>
+                </a:ln>
                 <a:solidFill>
                   <a:prstClr val="white"/>
                 </a:solidFill>
+                <a:effectLst/>
+                <a:uLnTx/>
+                <a:uFillTx/>
                 <a:latin typeface="Palatino Linotype" panose="02040502050505030304" pitchFamily="18" charset="0"/>
               </a:rPr>
-              <a:t>6,87</a:t>
-            </a:r>
-            <a:endParaRPr kumimoji="0" lang="pt-BR" sz="5500" b="1" i="0" u="none" strike="noStrike" kern="1200" cap="none" spc="0" normalizeH="0" baseline="0" noProof="0" dirty="0">
-              <a:ln>
-                <a:noFill/>
-              </a:ln>
-              <a:solidFill>
-                <a:prstClr val="white"/>
-              </a:solidFill>
-              <a:effectLst/>
-              <a:uLnTx/>
-              <a:uFillTx/>
-              <a:latin typeface="Palatino Linotype" panose="02040502050505030304" pitchFamily="18" charset="0"/>
-            </a:endParaRPr>
+              <a:t>7,57</a:t>
+            </a:r>
           </a:p>
         </p:txBody>
       </p:sp>
@@ -4857,20 +4703,26 @@
               <a:defRPr/>
             </a:pPr>
             <a:r>
-              <a:rPr kumimoji="0" lang="pt-BR" sz="5500" b="1" i="0" u="none" strike="noStrike" kern="1200" cap="none" spc="0" normalizeH="0" baseline="0" noProof="0" dirty="0">
-                <a:ln>
-                  <a:noFill/>
-                </a:ln>
+              <a:rPr lang="pt-BR" sz="5500" b="1">
                 <a:solidFill>
                   <a:prstClr val="white"/>
                 </a:solidFill>
-                <a:effectLst/>
-                <a:uLnTx/>
-                <a:uFillTx/>
                 <a:latin typeface="Palatino Linotype" panose="02040502050505030304" pitchFamily="18" charset="0"/>
               </a:rPr>
-              <a:t>307</a:t>
-            </a:r>
+              <a:t>259</a:t>
+            </a:r>
+            <a:endParaRPr kumimoji="0" lang="pt-BR" sz="5500" b="1" i="0" u="none" strike="noStrike" kern="1200" cap="none" spc="0" normalizeH="0" baseline="0" noProof="0" dirty="0">
+              <a:ln>
+                <a:noFill/>
+              </a:ln>
+              <a:solidFill>
+                <a:prstClr val="white"/>
+              </a:solidFill>
+              <a:effectLst/>
+              <a:uLnTx/>
+              <a:uFillTx/>
+              <a:latin typeface="Palatino Linotype" panose="02040502050505030304" pitchFamily="18" charset="0"/>
+            </a:endParaRPr>
           </a:p>
         </p:txBody>
       </p:sp>
@@ -5010,7 +4862,7 @@
                 </a:solidFill>
                 <a:latin typeface="Palatino Linotype" panose="02040502050505030304" pitchFamily="18" charset="0"/>
               </a:rPr>
-              <a:t>2965</a:t>
+              <a:t>2928</a:t>
             </a:r>
             <a:endParaRPr kumimoji="0" lang="pt-BR" sz="5500" b="1" i="0" u="none" strike="noStrike" kern="1200" cap="none" spc="0" normalizeH="0" baseline="0" noProof="0" dirty="0">
               <a:ln>
@@ -5157,26 +5009,20 @@
               <a:defRPr/>
             </a:pPr>
             <a:r>
-              <a:rPr lang="pt-BR" sz="5500" b="1" dirty="0">
+              <a:rPr kumimoji="0" lang="pt-BR" sz="5500" b="1" i="0" u="none" strike="noStrike" kern="1200" cap="none" spc="0" normalizeH="0" baseline="0" noProof="0" dirty="0">
+                <a:ln>
+                  <a:noFill/>
+                </a:ln>
                 <a:solidFill>
                   <a:prstClr val="white"/>
                 </a:solidFill>
+                <a:effectLst/>
+                <a:uLnTx/>
+                <a:uFillTx/>
                 <a:latin typeface="Palatino Linotype" panose="02040502050505030304" pitchFamily="18" charset="0"/>
               </a:rPr>
-              <a:t>9,66</a:t>
-            </a:r>
-            <a:endParaRPr kumimoji="0" lang="pt-BR" sz="5500" b="1" i="0" u="none" strike="noStrike" kern="1200" cap="none" spc="0" normalizeH="0" baseline="0" noProof="0" dirty="0">
-              <a:ln>
-                <a:noFill/>
-              </a:ln>
-              <a:solidFill>
-                <a:prstClr val="white"/>
-              </a:solidFill>
-              <a:effectLst/>
-              <a:uLnTx/>
-              <a:uFillTx/>
-              <a:latin typeface="Palatino Linotype" panose="02040502050505030304" pitchFamily="18" charset="0"/>
-            </a:endParaRPr>
+              <a:t>11,31</a:t>
+            </a:r>
           </a:p>
         </p:txBody>
       </p:sp>
